--- a/Thesis PowerPoint.pptx
+++ b/Thesis PowerPoint.pptx
@@ -6668,6 +6668,90 @@
       </p:grpSpPr>
       <p:sp>
         <p:nvSpPr>
+          <p:cNvPr id="2" name="Θέση εικόνας διαφάνειας 1"/>
+          <p:cNvSpPr>
+            <a:spLocks noGrp="1" noRot="1" noChangeAspect="1"/>
+          </p:cNvSpPr>
+          <p:nvPr>
+            <p:ph type="sldImg"/>
+          </p:nvPr>
+        </p:nvSpPr>
+        <p:spPr/>
+      </p:sp>
+      <p:sp>
+        <p:nvSpPr>
+          <p:cNvPr id="3" name="Θέση σημειώσεων 2"/>
+          <p:cNvSpPr>
+            <a:spLocks noGrp="1"/>
+          </p:cNvSpPr>
+          <p:nvPr>
+            <p:ph type="body" idx="1"/>
+          </p:nvPr>
+        </p:nvSpPr>
+        <p:spPr/>
+        <p:txBody>
+          <a:bodyPr/>
+          <a:lstStyle/>
+          <a:p>
+            <a:endParaRPr lang="el-GR" dirty="0"/>
+          </a:p>
+        </p:txBody>
+      </p:sp>
+      <p:sp>
+        <p:nvSpPr>
+          <p:cNvPr id="4" name="Θέση αριθμού διαφάνειας 3"/>
+          <p:cNvSpPr>
+            <a:spLocks noGrp="1"/>
+          </p:cNvSpPr>
+          <p:nvPr>
+            <p:ph type="sldNum" sz="quarter" idx="5"/>
+          </p:nvPr>
+        </p:nvSpPr>
+        <p:spPr/>
+        <p:txBody>
+          <a:bodyPr/>
+          <a:lstStyle/>
+          <a:p>
+            <a:fld id="{5C42C84A-5D03-42A3-B283-45A0B6F19ED5}" type="slidenum">
+              <a:rPr lang="el-GR" smtClean="0"/>
+              <a:t>35</a:t>
+            </a:fld>
+            <a:endParaRPr lang="el-GR"/>
+          </a:p>
+        </p:txBody>
+      </p:sp>
+    </p:spTree>
+    <p:extLst>
+      <p:ext uri="{BB962C8B-B14F-4D97-AF65-F5344CB8AC3E}">
+        <p14:creationId xmlns:p14="http://schemas.microsoft.com/office/powerpoint/2010/main" val="1354812218"/>
+      </p:ext>
+    </p:extLst>
+  </p:cSld>
+  <p:clrMapOvr>
+    <a:masterClrMapping/>
+  </p:clrMapOvr>
+</p:notes>
+</file>
+
+<file path=ppt/notesSlides/notesSlide14.xml><?xml version="1.0" encoding="utf-8"?>
+<p:notes xmlns:a="http://schemas.openxmlformats.org/drawingml/2006/main" xmlns:r="http://schemas.openxmlformats.org/officeDocument/2006/relationships" xmlns:p="http://schemas.openxmlformats.org/presentationml/2006/main">
+  <p:cSld>
+    <p:spTree>
+      <p:nvGrpSpPr>
+        <p:cNvPr id="1" name=""/>
+        <p:cNvGrpSpPr/>
+        <p:nvPr/>
+      </p:nvGrpSpPr>
+      <p:grpSpPr>
+        <a:xfrm>
+          <a:off x="0" y="0"/>
+          <a:ext cx="0" cy="0"/>
+          <a:chOff x="0" y="0"/>
+          <a:chExt cx="0" cy="0"/>
+        </a:xfrm>
+      </p:grpSpPr>
+      <p:sp>
+        <p:nvSpPr>
           <p:cNvPr id="2" name="Slide Image Placeholder 1"/>
           <p:cNvSpPr>
             <a:spLocks noGrp="1" noRot="1" noChangeAspect="1"/>
@@ -24350,7 +24434,7 @@
             </a:pPr>
             <a:r>
               <a:rPr lang="en-US" dirty="0"/>
-              <a:t>Other relevant research also point out the issue with the plethora of platforms</a:t>
+              <a:t>Other relevant research also point out the issue with the plethora of genomic platforms</a:t>
             </a:r>
           </a:p>
         </p:txBody>
